--- a/2024-2025/slides_pptx/5.2_dynamic_arrays.pptx
+++ b/2024-2025/slides_pptx/5.2_dynamic_arrays.pptx
@@ -220,7 +220,7 @@
           <a:p>
             <a:fld id="{85EF5437-F444-4613-A039-4AD69D91C86A}" type="datetimeFigureOut">
               <a:rPr lang="ru-RU" smtClean="0"/>
-              <a:t>04.11.2024</a:t>
+              <a:t>11.11.2024</a:t>
             </a:fld>
             <a:endParaRPr lang="ru-RU"/>
           </a:p>
@@ -1626,7 +1626,7 @@
           <a:p>
             <a:fld id="{58BF7D01-7D49-4F37-AA30-F04C65571A4A}" type="datetimeFigureOut">
               <a:rPr lang="ru-RU" smtClean="0"/>
-              <a:t>04.11.2024</a:t>
+              <a:t>11.11.2024</a:t>
             </a:fld>
             <a:endParaRPr lang="ru-RU"/>
           </a:p>
@@ -1796,7 +1796,7 @@
           <a:p>
             <a:fld id="{58BF7D01-7D49-4F37-AA30-F04C65571A4A}" type="datetimeFigureOut">
               <a:rPr lang="ru-RU" smtClean="0"/>
-              <a:t>04.11.2024</a:t>
+              <a:t>11.11.2024</a:t>
             </a:fld>
             <a:endParaRPr lang="ru-RU"/>
           </a:p>
@@ -1976,7 +1976,7 @@
           <a:p>
             <a:fld id="{58BF7D01-7D49-4F37-AA30-F04C65571A4A}" type="datetimeFigureOut">
               <a:rPr lang="ru-RU" smtClean="0"/>
-              <a:t>04.11.2024</a:t>
+              <a:t>11.11.2024</a:t>
             </a:fld>
             <a:endParaRPr lang="ru-RU"/>
           </a:p>
@@ -2146,7 +2146,7 @@
           <a:p>
             <a:fld id="{58BF7D01-7D49-4F37-AA30-F04C65571A4A}" type="datetimeFigureOut">
               <a:rPr lang="ru-RU" smtClean="0"/>
-              <a:t>04.11.2024</a:t>
+              <a:t>11.11.2024</a:t>
             </a:fld>
             <a:endParaRPr lang="ru-RU"/>
           </a:p>
@@ -2392,7 +2392,7 @@
           <a:p>
             <a:fld id="{58BF7D01-7D49-4F37-AA30-F04C65571A4A}" type="datetimeFigureOut">
               <a:rPr lang="ru-RU" smtClean="0"/>
-              <a:t>04.11.2024</a:t>
+              <a:t>11.11.2024</a:t>
             </a:fld>
             <a:endParaRPr lang="ru-RU"/>
           </a:p>
@@ -2624,7 +2624,7 @@
           <a:p>
             <a:fld id="{58BF7D01-7D49-4F37-AA30-F04C65571A4A}" type="datetimeFigureOut">
               <a:rPr lang="ru-RU" smtClean="0"/>
-              <a:t>04.11.2024</a:t>
+              <a:t>11.11.2024</a:t>
             </a:fld>
             <a:endParaRPr lang="ru-RU"/>
           </a:p>
@@ -2991,7 +2991,7 @@
           <a:p>
             <a:fld id="{58BF7D01-7D49-4F37-AA30-F04C65571A4A}" type="datetimeFigureOut">
               <a:rPr lang="ru-RU" smtClean="0"/>
-              <a:t>04.11.2024</a:t>
+              <a:t>11.11.2024</a:t>
             </a:fld>
             <a:endParaRPr lang="ru-RU"/>
           </a:p>
@@ -3109,7 +3109,7 @@
           <a:p>
             <a:fld id="{58BF7D01-7D49-4F37-AA30-F04C65571A4A}" type="datetimeFigureOut">
               <a:rPr lang="ru-RU" smtClean="0"/>
-              <a:t>04.11.2024</a:t>
+              <a:t>11.11.2024</a:t>
             </a:fld>
             <a:endParaRPr lang="ru-RU"/>
           </a:p>
@@ -3204,7 +3204,7 @@
           <a:p>
             <a:fld id="{58BF7D01-7D49-4F37-AA30-F04C65571A4A}" type="datetimeFigureOut">
               <a:rPr lang="ru-RU" smtClean="0"/>
-              <a:t>04.11.2024</a:t>
+              <a:t>11.11.2024</a:t>
             </a:fld>
             <a:endParaRPr lang="ru-RU"/>
           </a:p>
@@ -3481,7 +3481,7 @@
           <a:p>
             <a:fld id="{58BF7D01-7D49-4F37-AA30-F04C65571A4A}" type="datetimeFigureOut">
               <a:rPr lang="ru-RU" smtClean="0"/>
-              <a:t>04.11.2024</a:t>
+              <a:t>11.11.2024</a:t>
             </a:fld>
             <a:endParaRPr lang="ru-RU"/>
           </a:p>
@@ -3738,7 +3738,7 @@
           <a:p>
             <a:fld id="{58BF7D01-7D49-4F37-AA30-F04C65571A4A}" type="datetimeFigureOut">
               <a:rPr lang="ru-RU" smtClean="0"/>
-              <a:t>04.11.2024</a:t>
+              <a:t>11.11.2024</a:t>
             </a:fld>
             <a:endParaRPr lang="ru-RU"/>
           </a:p>
@@ -3951,7 +3951,7 @@
           <a:p>
             <a:fld id="{58BF7D01-7D49-4F37-AA30-F04C65571A4A}" type="datetimeFigureOut">
               <a:rPr lang="ru-RU" smtClean="0"/>
-              <a:t>04.11.2024</a:t>
+              <a:t>11.11.2024</a:t>
             </a:fld>
             <a:endParaRPr lang="ru-RU"/>
           </a:p>
@@ -4487,12 +4487,18 @@
           <a:p>
             <a:pPr algn="r"/>
             <a:r>
-              <a:rPr lang="ru-RU" sz="2400" dirty="0"/>
+              <a:rPr lang="ru-RU" sz="2400" dirty="0">
+                <a:latin typeface="Times New Roman" panose="02020603050405020304" pitchFamily="18" charset="0"/>
+                <a:cs typeface="Times New Roman" panose="02020603050405020304" pitchFamily="18" charset="0"/>
+              </a:rPr>
               <a:t>Стек</a:t>
             </a:r>
           </a:p>
           <a:p>
-            <a:endParaRPr lang="ru-RU" sz="1600" dirty="0"/>
+            <a:endParaRPr lang="ru-RU" sz="1600" dirty="0">
+              <a:latin typeface="Times New Roman" panose="02020603050405020304" pitchFamily="18" charset="0"/>
+              <a:cs typeface="Times New Roman" panose="02020603050405020304" pitchFamily="18" charset="0"/>
+            </a:endParaRPr>
           </a:p>
           <a:p>
             <a:pPr marL="285750" indent="-285750">
@@ -4500,10 +4506,16 @@
               <a:buChar char="•"/>
             </a:pPr>
             <a:r>
-              <a:rPr lang="ru-RU" sz="1600" dirty="0"/>
+              <a:rPr lang="ru-RU" sz="1600" dirty="0">
+                <a:latin typeface="Times New Roman" panose="02020603050405020304" pitchFamily="18" charset="0"/>
+                <a:cs typeface="Times New Roman" panose="02020603050405020304" pitchFamily="18" charset="0"/>
+              </a:rPr>
               <a:t>Используется для хранения локальных переменных и информации о вызовах функций (например, адрес возврата).</a:t>
             </a:r>
-            <a:endParaRPr lang="en-US" sz="1600" dirty="0"/>
+            <a:endParaRPr lang="en-US" sz="1600" dirty="0">
+              <a:latin typeface="Times New Roman" panose="02020603050405020304" pitchFamily="18" charset="0"/>
+              <a:cs typeface="Times New Roman" panose="02020603050405020304" pitchFamily="18" charset="0"/>
+            </a:endParaRPr>
           </a:p>
           <a:p>
             <a:pPr marL="285750" indent="-285750">
@@ -4511,15 +4523,24 @@
               <a:buChar char="•"/>
             </a:pPr>
             <a:r>
-              <a:rPr lang="ru-RU" sz="1600" dirty="0"/>
+              <a:rPr lang="ru-RU" sz="1600" dirty="0">
+                <a:latin typeface="Times New Roman" panose="02020603050405020304" pitchFamily="18" charset="0"/>
+                <a:cs typeface="Times New Roman" panose="02020603050405020304" pitchFamily="18" charset="0"/>
+              </a:rPr>
               <a:t>Стек организован по принципу LIFO (</a:t>
             </a:r>
             <a:r>
-              <a:rPr lang="ru-RU" sz="1600" dirty="0" err="1"/>
+              <a:rPr lang="ru-RU" sz="1600" dirty="0" err="1">
+                <a:latin typeface="Times New Roman" panose="02020603050405020304" pitchFamily="18" charset="0"/>
+                <a:cs typeface="Times New Roman" panose="02020603050405020304" pitchFamily="18" charset="0"/>
+              </a:rPr>
               <a:t>Last</a:t>
             </a:r>
             <a:r>
-              <a:rPr lang="ru-RU" sz="1600" dirty="0"/>
+              <a:rPr lang="ru-RU" sz="1600" dirty="0">
+                <a:latin typeface="Times New Roman" panose="02020603050405020304" pitchFamily="18" charset="0"/>
+                <a:cs typeface="Times New Roman" panose="02020603050405020304" pitchFamily="18" charset="0"/>
+              </a:rPr>
               <a:t> In, First Out), то есть последний добавленный элемент будет первым, который будет удалён.</a:t>
             </a:r>
           </a:p>
@@ -4529,7 +4550,10 @@
               <a:buChar char="•"/>
             </a:pPr>
             <a:r>
-              <a:rPr lang="ru-RU" sz="1600" dirty="0"/>
+              <a:rPr lang="ru-RU" sz="1600" dirty="0">
+                <a:latin typeface="Times New Roman" panose="02020603050405020304" pitchFamily="18" charset="0"/>
+                <a:cs typeface="Times New Roman" panose="02020603050405020304" pitchFamily="18" charset="0"/>
+              </a:rPr>
               <a:t>Размер стека фиксирован и задаётся при запуске программы.</a:t>
             </a:r>
           </a:p>
@@ -4539,7 +4563,10 @@
               <a:buChar char="•"/>
             </a:pPr>
             <a:r>
-              <a:rPr lang="ru-RU" sz="1600" dirty="0"/>
+              <a:rPr lang="ru-RU" sz="1600" dirty="0">
+                <a:latin typeface="Times New Roman" panose="02020603050405020304" pitchFamily="18" charset="0"/>
+                <a:cs typeface="Times New Roman" panose="02020603050405020304" pitchFamily="18" charset="0"/>
+              </a:rPr>
               <a:t>Управление памятью происходит автоматически: когда функция завершает выполнение, все её локальные переменные автоматически освобождаются.</a:t>
             </a:r>
           </a:p>
@@ -4549,31 +4576,52 @@
               <a:buChar char="•"/>
             </a:pPr>
             <a:r>
-              <a:rPr lang="ru-RU" sz="1600" dirty="0"/>
+              <a:rPr lang="ru-RU" sz="1600" dirty="0">
+                <a:latin typeface="Times New Roman" panose="02020603050405020304" pitchFamily="18" charset="0"/>
+                <a:cs typeface="Times New Roman" panose="02020603050405020304" pitchFamily="18" charset="0"/>
+              </a:rPr>
               <a:t>В случае переполнения стека (</a:t>
             </a:r>
             <a:r>
-              <a:rPr lang="ru-RU" sz="1600" dirty="0" err="1"/>
+              <a:rPr lang="ru-RU" sz="1600" dirty="0" err="1">
+                <a:latin typeface="Times New Roman" panose="02020603050405020304" pitchFamily="18" charset="0"/>
+                <a:cs typeface="Times New Roman" panose="02020603050405020304" pitchFamily="18" charset="0"/>
+              </a:rPr>
               <a:t>stack</a:t>
             </a:r>
             <a:r>
-              <a:rPr lang="ru-RU" sz="1600" dirty="0"/>
+              <a:rPr lang="ru-RU" sz="1600" dirty="0">
+                <a:latin typeface="Times New Roman" panose="02020603050405020304" pitchFamily="18" charset="0"/>
+                <a:cs typeface="Times New Roman" panose="02020603050405020304" pitchFamily="18" charset="0"/>
+              </a:rPr>
               <a:t> </a:t>
             </a:r>
             <a:r>
-              <a:rPr lang="ru-RU" sz="1600" dirty="0" err="1"/>
+              <a:rPr lang="ru-RU" sz="1600" dirty="0" err="1">
+                <a:latin typeface="Times New Roman" panose="02020603050405020304" pitchFamily="18" charset="0"/>
+                <a:cs typeface="Times New Roman" panose="02020603050405020304" pitchFamily="18" charset="0"/>
+              </a:rPr>
               <a:t>overflow</a:t>
             </a:r>
             <a:r>
-              <a:rPr lang="ru-RU" sz="1600" dirty="0"/>
+              <a:rPr lang="ru-RU" sz="1600" dirty="0">
+                <a:latin typeface="Times New Roman" panose="02020603050405020304" pitchFamily="18" charset="0"/>
+                <a:cs typeface="Times New Roman" panose="02020603050405020304" pitchFamily="18" charset="0"/>
+              </a:rPr>
               <a:t>) программа может </a:t>
             </a:r>
             <a:r>
-              <a:rPr lang="ru-RU" sz="1600" dirty="0" err="1"/>
+              <a:rPr lang="ru-RU" sz="1600" dirty="0" err="1">
+                <a:latin typeface="Times New Roman" panose="02020603050405020304" pitchFamily="18" charset="0"/>
+                <a:cs typeface="Times New Roman" panose="02020603050405020304" pitchFamily="18" charset="0"/>
+              </a:rPr>
               <a:t>аварийно</a:t>
             </a:r>
             <a:r>
-              <a:rPr lang="ru-RU" sz="1600" dirty="0"/>
+              <a:rPr lang="ru-RU" sz="1600" dirty="0">
+                <a:latin typeface="Times New Roman" panose="02020603050405020304" pitchFamily="18" charset="0"/>
+                <a:cs typeface="Times New Roman" panose="02020603050405020304" pitchFamily="18" charset="0"/>
+              </a:rPr>
               <a:t> завершиться.</a:t>
             </a:r>
           </a:p>
@@ -4583,10 +4631,16 @@
               <a:buChar char="•"/>
             </a:pPr>
             <a:r>
-              <a:rPr lang="ru-RU" sz="1600" dirty="0"/>
+              <a:rPr lang="ru-RU" sz="1600" dirty="0">
+                <a:latin typeface="Times New Roman" panose="02020603050405020304" pitchFamily="18" charset="0"/>
+                <a:cs typeface="Times New Roman" panose="02020603050405020304" pitchFamily="18" charset="0"/>
+              </a:rPr>
               <a:t>Доступ к данным в стеке обычно быстрее, так как стек имеет предсказуемую структуру.</a:t>
             </a:r>
-            <a:endParaRPr lang="ru-RU" sz="2400" dirty="0"/>
+            <a:endParaRPr lang="ru-RU" sz="2400" dirty="0">
+              <a:latin typeface="Times New Roman" panose="02020603050405020304" pitchFamily="18" charset="0"/>
+              <a:cs typeface="Times New Roman" panose="02020603050405020304" pitchFamily="18" charset="0"/>
+            </a:endParaRPr>
           </a:p>
         </p:txBody>
       </p:sp>
@@ -4619,12 +4673,18 @@
           <a:lstStyle/>
           <a:p>
             <a:r>
-              <a:rPr lang="ru-RU" sz="2400" dirty="0"/>
+              <a:rPr lang="ru-RU" sz="2400" dirty="0">
+                <a:latin typeface="Times New Roman" panose="02020603050405020304" pitchFamily="18" charset="0"/>
+                <a:cs typeface="Times New Roman" panose="02020603050405020304" pitchFamily="18" charset="0"/>
+              </a:rPr>
               <a:t>Куча</a:t>
             </a:r>
           </a:p>
           <a:p>
-            <a:endParaRPr lang="ru-RU" sz="1600" dirty="0"/>
+            <a:endParaRPr lang="ru-RU" sz="1600" dirty="0">
+              <a:latin typeface="Times New Roman" panose="02020603050405020304" pitchFamily="18" charset="0"/>
+              <a:cs typeface="Times New Roman" panose="02020603050405020304" pitchFamily="18" charset="0"/>
+            </a:endParaRPr>
           </a:p>
           <a:p>
             <a:pPr marL="285750" indent="-285750">
@@ -4632,7 +4692,10 @@
               <a:buChar char="•"/>
             </a:pPr>
             <a:r>
-              <a:rPr lang="ru-RU" sz="1600" dirty="0"/>
+              <a:rPr lang="ru-RU" sz="1600" dirty="0">
+                <a:latin typeface="Times New Roman" panose="02020603050405020304" pitchFamily="18" charset="0"/>
+                <a:cs typeface="Times New Roman" panose="02020603050405020304" pitchFamily="18" charset="0"/>
+              </a:rPr>
               <a:t>Используется для динамического распределения памяти во время выполнения программы.</a:t>
             </a:r>
           </a:p>
@@ -4642,39 +4705,66 @@
               <a:buChar char="•"/>
             </a:pPr>
             <a:r>
-              <a:rPr lang="ru-RU" sz="1600" dirty="0"/>
+              <a:rPr lang="ru-RU" sz="1600" dirty="0">
+                <a:latin typeface="Times New Roman" panose="02020603050405020304" pitchFamily="18" charset="0"/>
+                <a:cs typeface="Times New Roman" panose="02020603050405020304" pitchFamily="18" charset="0"/>
+              </a:rPr>
               <a:t>Память в куче выделяется вручную с помощью функций </a:t>
             </a:r>
             <a:r>
-              <a:rPr lang="ru-RU" sz="1600" dirty="0" err="1"/>
+              <a:rPr lang="ru-RU" sz="1600" dirty="0" err="1">
+                <a:latin typeface="Times New Roman" panose="02020603050405020304" pitchFamily="18" charset="0"/>
+                <a:cs typeface="Times New Roman" panose="02020603050405020304" pitchFamily="18" charset="0"/>
+              </a:rPr>
               <a:t>malloc</a:t>
             </a:r>
             <a:r>
-              <a:rPr lang="ru-RU" sz="1600" dirty="0"/>
+              <a:rPr lang="ru-RU" sz="1600" dirty="0">
+                <a:latin typeface="Times New Roman" panose="02020603050405020304" pitchFamily="18" charset="0"/>
+                <a:cs typeface="Times New Roman" panose="02020603050405020304" pitchFamily="18" charset="0"/>
+              </a:rPr>
               <a:t>, </a:t>
             </a:r>
             <a:r>
-              <a:rPr lang="ru-RU" sz="1600" dirty="0" err="1"/>
+              <a:rPr lang="ru-RU" sz="1600" dirty="0" err="1">
+                <a:latin typeface="Times New Roman" panose="02020603050405020304" pitchFamily="18" charset="0"/>
+                <a:cs typeface="Times New Roman" panose="02020603050405020304" pitchFamily="18" charset="0"/>
+              </a:rPr>
               <a:t>calloc</a:t>
             </a:r>
             <a:r>
-              <a:rPr lang="ru-RU" sz="1600" dirty="0"/>
+              <a:rPr lang="ru-RU" sz="1600" dirty="0">
+                <a:latin typeface="Times New Roman" panose="02020603050405020304" pitchFamily="18" charset="0"/>
+                <a:cs typeface="Times New Roman" panose="02020603050405020304" pitchFamily="18" charset="0"/>
+              </a:rPr>
               <a:t>, </a:t>
             </a:r>
             <a:r>
-              <a:rPr lang="ru-RU" sz="1600" dirty="0" err="1"/>
+              <a:rPr lang="ru-RU" sz="1600" dirty="0" err="1">
+                <a:latin typeface="Times New Roman" panose="02020603050405020304" pitchFamily="18" charset="0"/>
+                <a:cs typeface="Times New Roman" panose="02020603050405020304" pitchFamily="18" charset="0"/>
+              </a:rPr>
               <a:t>realloc</a:t>
             </a:r>
             <a:r>
-              <a:rPr lang="ru-RU" sz="1600" dirty="0"/>
+              <a:rPr lang="ru-RU" sz="1600" dirty="0">
+                <a:latin typeface="Times New Roman" panose="02020603050405020304" pitchFamily="18" charset="0"/>
+                <a:cs typeface="Times New Roman" panose="02020603050405020304" pitchFamily="18" charset="0"/>
+              </a:rPr>
               <a:t> и освобождается через функцию </a:t>
             </a:r>
             <a:r>
-              <a:rPr lang="ru-RU" sz="1600" dirty="0" err="1"/>
+              <a:rPr lang="ru-RU" sz="1600" dirty="0" err="1">
+                <a:latin typeface="Times New Roman" panose="02020603050405020304" pitchFamily="18" charset="0"/>
+                <a:cs typeface="Times New Roman" panose="02020603050405020304" pitchFamily="18" charset="0"/>
+              </a:rPr>
               <a:t>free</a:t>
             </a:r>
             <a:r>
-              <a:rPr lang="ru-RU" sz="1600" dirty="0"/>
+              <a:rPr lang="ru-RU" sz="1600" dirty="0">
+                <a:latin typeface="Times New Roman" panose="02020603050405020304" pitchFamily="18" charset="0"/>
+                <a:cs typeface="Times New Roman" panose="02020603050405020304" pitchFamily="18" charset="0"/>
+              </a:rPr>
               <a:t>.</a:t>
             </a:r>
           </a:p>
@@ -4684,7 +4774,10 @@
               <a:buChar char="•"/>
             </a:pPr>
             <a:r>
-              <a:rPr lang="ru-RU" sz="1600" dirty="0"/>
+              <a:rPr lang="ru-RU" sz="1600" dirty="0">
+                <a:latin typeface="Times New Roman" panose="02020603050405020304" pitchFamily="18" charset="0"/>
+                <a:cs typeface="Times New Roman" panose="02020603050405020304" pitchFamily="18" charset="0"/>
+              </a:rPr>
               <a:t>Размер кучи не фиксирован и может изменяться в зависимости от доступной памяти на системе.</a:t>
             </a:r>
           </a:p>
@@ -4694,7 +4787,10 @@
               <a:buChar char="•"/>
             </a:pPr>
             <a:r>
-              <a:rPr lang="ru-RU" sz="1600" dirty="0"/>
+              <a:rPr lang="ru-RU" sz="1600" dirty="0">
+                <a:latin typeface="Times New Roman" panose="02020603050405020304" pitchFamily="18" charset="0"/>
+                <a:cs typeface="Times New Roman" panose="02020603050405020304" pitchFamily="18" charset="0"/>
+              </a:rPr>
               <a:t>Управление памятью требует ручного вмешательства: программист должен явно освобождать память, выделенную в куче, чтобы избежать утечек памяти.</a:t>
             </a:r>
           </a:p>
@@ -4704,7 +4800,10 @@
               <a:buChar char="•"/>
             </a:pPr>
             <a:r>
-              <a:rPr lang="ru-RU" sz="1600" dirty="0"/>
+              <a:rPr lang="ru-RU" sz="1600" dirty="0">
+                <a:latin typeface="Times New Roman" panose="02020603050405020304" pitchFamily="18" charset="0"/>
+                <a:cs typeface="Times New Roman" panose="02020603050405020304" pitchFamily="18" charset="0"/>
+              </a:rPr>
               <a:t>Доступ к данным в куче может быть медленнее из-за необходимости поиска свободного блока памяти и управления фрагментацией.</a:t>
             </a:r>
           </a:p>
@@ -4714,7 +4813,10 @@
               <a:buChar char="•"/>
             </a:pPr>
             <a:r>
-              <a:rPr lang="ru-RU" sz="1600" dirty="0"/>
+              <a:rPr lang="ru-RU" sz="1600" dirty="0">
+                <a:latin typeface="Times New Roman" panose="02020603050405020304" pitchFamily="18" charset="0"/>
+                <a:cs typeface="Times New Roman" panose="02020603050405020304" pitchFamily="18" charset="0"/>
+              </a:rPr>
               <a:t>Идеальна для хранения больших объемов данных или данных, срок жизни которых неизвестен заранее (например, массивы переменного размера).</a:t>
             </a:r>
           </a:p>
@@ -4801,14 +4903,14 @@
           <p:nvPr>
             <p:extLst>
               <p:ext uri="{D42A27DB-BD31-4B8C-83A1-F6EECF244321}">
-                <p14:modId xmlns:p14="http://schemas.microsoft.com/office/powerpoint/2010/main" val="2185565577"/>
+                <p14:modId xmlns:p14="http://schemas.microsoft.com/office/powerpoint/2010/main" val="3724066563"/>
               </p:ext>
             </p:extLst>
           </p:nvPr>
         </p:nvGraphicFramePr>
         <p:xfrm>
           <a:off x="4579706" y="2221535"/>
-          <a:ext cx="1657132" cy="3085488"/>
+          <a:ext cx="1657132" cy="3114216"/>
         </p:xfrm>
         <a:graphic>
           <a:graphicData uri="http://schemas.openxmlformats.org/drawingml/2006/table">
@@ -4876,7 +4978,77 @@
                     <a:bodyPr/>
                     <a:lstStyle/>
                     <a:p>
-                      <a:endParaRPr lang="ru-RU"/>
+                      <a:r>
+                        <a:rPr kumimoji="0" lang="ru-RU" sz="1800" b="1" i="0" u="none" strike="noStrike" kern="1200" cap="none" spc="0" normalizeH="0" baseline="0" noProof="0" dirty="0">
+                          <a:ln>
+                            <a:noFill/>
+                          </a:ln>
+                          <a:solidFill>
+                            <a:prstClr val="white"/>
+                          </a:solidFill>
+                          <a:effectLst/>
+                          <a:uLnTx/>
+                          <a:uFillTx/>
+                          <a:latin typeface="+mn-lt"/>
+                          <a:ea typeface="+mn-ea"/>
+                          <a:cs typeface="+mn-cs"/>
+                        </a:rPr>
+                        <a:t>  Программа </a:t>
+                      </a:r>
+                    </a:p>
+                    <a:p>
+                      <a:r>
+                        <a:rPr kumimoji="0" lang="ru-RU" sz="1800" b="1" i="0" u="none" strike="noStrike" kern="1200" cap="none" spc="0" normalizeH="0" baseline="0" noProof="0" dirty="0">
+                          <a:ln>
+                            <a:noFill/>
+                          </a:ln>
+                          <a:solidFill>
+                            <a:prstClr val="white"/>
+                          </a:solidFill>
+                          <a:effectLst/>
+                          <a:uLnTx/>
+                          <a:uFillTx/>
+                          <a:latin typeface="+mn-lt"/>
+                          <a:ea typeface="+mn-ea"/>
+                          <a:cs typeface="+mn-cs"/>
+                        </a:rPr>
+                        <a:t>         </a:t>
+                      </a:r>
+                      <a:r>
+                        <a:rPr kumimoji="0" lang="en-US" sz="1800" b="1" i="0" u="none" strike="noStrike" kern="1200" cap="none" spc="0" normalizeH="0" baseline="0" noProof="0" dirty="0">
+                          <a:ln>
+                            <a:noFill/>
+                          </a:ln>
+                          <a:solidFill>
+                            <a:prstClr val="white"/>
+                          </a:solidFill>
+                          <a:effectLst/>
+                          <a:uLnTx/>
+                          <a:uFillTx/>
+                          <a:latin typeface="+mn-lt"/>
+                          <a:ea typeface="+mn-ea"/>
+                          <a:cs typeface="+mn-cs"/>
+                        </a:rPr>
+                        <a:t>4 </a:t>
+                      </a:r>
+                      <a:r>
+                        <a:rPr kumimoji="0" lang="ru-RU" sz="1800" b="1" i="0" u="none" strike="noStrike" kern="1200" cap="none" spc="0" normalizeH="0" baseline="0" noProof="0" dirty="0">
+                          <a:ln>
+                            <a:noFill/>
+                          </a:ln>
+                          <a:solidFill>
+                            <a:prstClr val="white"/>
+                          </a:solidFill>
+                          <a:effectLst/>
+                          <a:uLnTx/>
+                          <a:uFillTx/>
+                          <a:latin typeface="+mn-lt"/>
+                          <a:ea typeface="+mn-ea"/>
+                          <a:cs typeface="+mn-cs"/>
+                        </a:rPr>
+                        <a:t>Гб</a:t>
+                      </a:r>
+                      <a:endParaRPr lang="ru-RU" dirty="0"/>
                     </a:p>
                   </a:txBody>
                   <a:tcPr>
@@ -4897,7 +5069,7 @@
                     <a:bodyPr/>
                     <a:lstStyle/>
                     <a:p>
-                      <a:endParaRPr lang="ru-RU"/>
+                      <a:endParaRPr lang="ru-RU" dirty="0"/>
                     </a:p>
                   </a:txBody>
                   <a:tcPr>
@@ -4918,6 +5090,23 @@
                     <a:bodyPr/>
                     <a:lstStyle/>
                     <a:p>
+                      <a:pPr marL="0" marR="0" lvl="0" indent="0" algn="l" defTabSz="914400" rtl="0" eaLnBrk="1" fontAlgn="auto" latinLnBrk="0" hangingPunct="1">
+                        <a:lnSpc>
+                          <a:spcPct val="100000"/>
+                        </a:lnSpc>
+                        <a:spcBef>
+                          <a:spcPts val="0"/>
+                        </a:spcBef>
+                        <a:spcAft>
+                          <a:spcPts val="0"/>
+                        </a:spcAft>
+                        <a:buClrTx/>
+                        <a:buSzTx/>
+                        <a:buFontTx/>
+                        <a:buNone/>
+                        <a:tabLst/>
+                        <a:defRPr/>
+                      </a:pPr>
                       <a:endParaRPr lang="ru-RU" dirty="0"/>
                     </a:p>
                   </a:txBody>
@@ -4952,14 +5141,14 @@
           <p:nvPr>
             <p:extLst>
               <p:ext uri="{D42A27DB-BD31-4B8C-83A1-F6EECF244321}">
-                <p14:modId xmlns:p14="http://schemas.microsoft.com/office/powerpoint/2010/main" val="2685159780"/>
+                <p14:modId xmlns:p14="http://schemas.microsoft.com/office/powerpoint/2010/main" val="664822104"/>
               </p:ext>
             </p:extLst>
           </p:nvPr>
         </p:nvGraphicFramePr>
         <p:xfrm>
-          <a:off x="9714012" y="2221535"/>
-          <a:ext cx="1657132" cy="3085488"/>
+          <a:off x="9714012" y="1872310"/>
+          <a:ext cx="1657132" cy="2502864"/>
         </p:xfrm>
         <a:graphic>
           <a:graphicData uri="http://schemas.openxmlformats.org/drawingml/2006/table">
@@ -5006,7 +5195,7 @@
                     <a:bodyPr/>
                     <a:lstStyle/>
                     <a:p>
-                      <a:endParaRPr lang="ru-RU"/>
+                      <a:endParaRPr lang="ru-RU" dirty="0"/>
                     </a:p>
                   </a:txBody>
                   <a:tcPr>
@@ -5027,7 +5216,78 @@
                     <a:bodyPr/>
                     <a:lstStyle/>
                     <a:p>
-                      <a:endParaRPr lang="ru-RU"/>
+                      <a:pPr marL="0" marR="0" lvl="0" indent="0" algn="l" defTabSz="914400" rtl="0" eaLnBrk="1" fontAlgn="auto" latinLnBrk="0" hangingPunct="1">
+                        <a:lnSpc>
+                          <a:spcPct val="100000"/>
+                        </a:lnSpc>
+                        <a:spcBef>
+                          <a:spcPts val="0"/>
+                        </a:spcBef>
+                        <a:spcAft>
+                          <a:spcPts val="0"/>
+                        </a:spcAft>
+                        <a:buClrTx/>
+                        <a:buSzTx/>
+                        <a:buFontTx/>
+                        <a:buNone/>
+                        <a:tabLst/>
+                        <a:defRPr/>
+                      </a:pPr>
+                      <a:r>
+                        <a:rPr kumimoji="0" lang="ru-RU" sz="1800" b="1" i="0" u="none" strike="noStrike" kern="1200" cap="none" spc="0" normalizeH="0" baseline="0" noProof="0" dirty="0">
+                          <a:ln>
+                            <a:noFill/>
+                          </a:ln>
+                          <a:solidFill>
+                            <a:prstClr val="white"/>
+                          </a:solidFill>
+                          <a:effectLst/>
+                          <a:uLnTx/>
+                          <a:uFillTx/>
+                          <a:latin typeface="+mn-lt"/>
+                          <a:ea typeface="+mn-ea"/>
+                          <a:cs typeface="+mn-cs"/>
+                        </a:rPr>
+                        <a:t>3</a:t>
+                      </a:r>
+                      <a:r>
+                        <a:rPr kumimoji="0" lang="en-US" sz="1800" b="1" i="0" u="none" strike="noStrike" kern="1200" cap="none" spc="0" normalizeH="0" baseline="0" noProof="0" dirty="0">
+                          <a:ln>
+                            <a:noFill/>
+                          </a:ln>
+                          <a:solidFill>
+                            <a:prstClr val="white"/>
+                          </a:solidFill>
+                          <a:effectLst/>
+                          <a:uLnTx/>
+                          <a:uFillTx/>
+                          <a:latin typeface="+mn-lt"/>
+                          <a:ea typeface="+mn-ea"/>
+                          <a:cs typeface="+mn-cs"/>
+                        </a:rPr>
+                        <a:t> </a:t>
+                      </a:r>
+                      <a:r>
+                        <a:rPr kumimoji="0" lang="ru-RU" sz="1800" b="1" i="0" u="none" strike="noStrike" kern="1200" cap="none" spc="0" normalizeH="0" baseline="0" noProof="0" dirty="0">
+                          <a:ln>
+                            <a:noFill/>
+                          </a:ln>
+                          <a:solidFill>
+                            <a:prstClr val="white"/>
+                          </a:solidFill>
+                          <a:effectLst/>
+                          <a:uLnTx/>
+                          <a:uFillTx/>
+                          <a:latin typeface="+mn-lt"/>
+                          <a:ea typeface="+mn-ea"/>
+                          <a:cs typeface="+mn-cs"/>
+                        </a:rPr>
+                        <a:t>Гб</a:t>
+                      </a:r>
+                      <a:endParaRPr lang="ru-RU" dirty="0"/>
+                    </a:p>
+                    <a:p>
+                      <a:endParaRPr lang="ru-RU" dirty="0"/>
                     </a:p>
                   </a:txBody>
                   <a:tcPr>
@@ -5048,7 +5308,7 @@
                     <a:bodyPr/>
                     <a:lstStyle/>
                     <a:p>
-                      <a:endParaRPr lang="ru-RU"/>
+                      <a:endParaRPr lang="ru-RU" dirty="0"/>
                     </a:p>
                   </a:txBody>
                   <a:tcPr>
@@ -5060,27 +5320,6 @@
                 <a:extLst>
                   <a:ext uri="{0D108BD9-81ED-4DB2-BD59-A6C34878D82A}">
                     <a16:rowId xmlns:a16="http://schemas.microsoft.com/office/drawing/2014/main" val="2116568231"/>
-                  </a:ext>
-                </a:extLst>
-              </a:tr>
-              <a:tr h="611352">
-                <a:tc>
-                  <a:txBody>
-                    <a:bodyPr/>
-                    <a:lstStyle/>
-                    <a:p>
-                      <a:endParaRPr lang="ru-RU" dirty="0"/>
-                    </a:p>
-                  </a:txBody>
-                  <a:tcPr>
-                    <a:solidFill>
-                      <a:schemeClr val="bg1"/>
-                    </a:solidFill>
-                  </a:tcPr>
-                </a:tc>
-                <a:extLst>
-                  <a:ext uri="{0D108BD9-81ED-4DB2-BD59-A6C34878D82A}">
-                    <a16:rowId xmlns:a16="http://schemas.microsoft.com/office/drawing/2014/main" val="2621676908"/>
                   </a:ext>
                 </a:extLst>
               </a:tr>
@@ -5142,19 +5381,6 @@
               <a:rPr lang="ru-RU" dirty="0"/>
               <a:t>Отображение</a:t>
             </a:r>
-            <a:endParaRPr lang="en-US" dirty="0"/>
-          </a:p>
-          <a:p>
-            <a:pPr algn="ctr"/>
-            <a:endParaRPr lang="en-US" dirty="0"/>
-          </a:p>
-          <a:p>
-            <a:pPr algn="ctr"/>
-            <a:r>
-              <a:rPr lang="en-US" dirty="0"/>
-              <a:t>(MMU – Memory Management Unit)</a:t>
-            </a:r>
-            <a:endParaRPr lang="ru-RU" dirty="0"/>
           </a:p>
         </p:txBody>
       </p:sp>
@@ -5175,7 +5401,7 @@
         <p:spPr>
           <a:xfrm>
             <a:off x="6241393" y="3134185"/>
-            <a:ext cx="758498" cy="294816"/>
+            <a:ext cx="1817939" cy="304842"/>
           </a:xfrm>
           <a:prstGeom prst="straightConnector1">
             <a:avLst/>
@@ -5213,14 +5439,13 @@
           </p:cNvPr>
           <p:cNvCxnSpPr>
             <a:cxnSpLocks/>
-            <a:endCxn id="4" idx="1"/>
           </p:cNvCxnSpPr>
           <p:nvPr/>
         </p:nvCxnSpPr>
         <p:spPr>
-          <a:xfrm>
-            <a:off x="6241393" y="3722763"/>
-            <a:ext cx="758498" cy="41516"/>
+          <a:xfrm flipV="1">
+            <a:off x="6241393" y="3594538"/>
+            <a:ext cx="1817939" cy="128226"/>
           </a:xfrm>
           <a:prstGeom prst="straightConnector1">
             <a:avLst/>
@@ -5263,8 +5488,8 @@
         </p:nvCxnSpPr>
         <p:spPr>
           <a:xfrm flipV="1">
-            <a:off x="6241393" y="4084626"/>
-            <a:ext cx="758498" cy="257025"/>
+            <a:off x="6241393" y="4071689"/>
+            <a:ext cx="1817939" cy="269963"/>
           </a:xfrm>
           <a:prstGeom prst="straightConnector1">
             <a:avLst/>
@@ -5307,8 +5532,8 @@
         </p:nvCxnSpPr>
         <p:spPr>
           <a:xfrm flipV="1">
-            <a:off x="6241393" y="4375174"/>
-            <a:ext cx="758498" cy="664883"/>
+            <a:off x="6241393" y="4341652"/>
+            <a:ext cx="1817939" cy="698406"/>
           </a:xfrm>
           <a:prstGeom prst="straightConnector1">
             <a:avLst/>
@@ -5350,9 +5575,9 @@
           <p:nvPr/>
         </p:nvCxnSpPr>
         <p:spPr>
-          <a:xfrm>
-            <a:off x="9169226" y="3191992"/>
-            <a:ext cx="544786" cy="0"/>
+          <a:xfrm flipV="1">
+            <a:off x="8059332" y="2774732"/>
+            <a:ext cx="1654680" cy="819806"/>
           </a:xfrm>
           <a:prstGeom prst="straightConnector1">
             <a:avLst/>
@@ -5395,8 +5620,8 @@
         </p:nvCxnSpPr>
         <p:spPr>
           <a:xfrm>
-            <a:off x="9169226" y="3474720"/>
-            <a:ext cx="544786" cy="900454"/>
+            <a:off x="8059332" y="3439027"/>
+            <a:ext cx="1654680" cy="512460"/>
           </a:xfrm>
           <a:prstGeom prst="straightConnector1">
             <a:avLst/>
@@ -5434,14 +5659,13 @@
           </p:cNvPr>
           <p:cNvCxnSpPr>
             <a:cxnSpLocks/>
-            <a:endCxn id="5" idx="1"/>
           </p:cNvCxnSpPr>
           <p:nvPr/>
         </p:nvCxnSpPr>
         <p:spPr>
           <a:xfrm flipV="1">
-            <a:off x="9169226" y="3764279"/>
-            <a:ext cx="544786" cy="276160"/>
+            <a:off x="8059332" y="3586695"/>
+            <a:ext cx="1654680" cy="484995"/>
           </a:xfrm>
           <a:prstGeom prst="straightConnector1">
             <a:avLst/>
@@ -5484,8 +5708,8 @@
         </p:nvCxnSpPr>
         <p:spPr>
           <a:xfrm>
-            <a:off x="9169226" y="4323167"/>
-            <a:ext cx="544786" cy="716890"/>
+            <a:off x="8059332" y="4341652"/>
+            <a:ext cx="1654680" cy="1283485"/>
           </a:xfrm>
           <a:prstGeom prst="straightConnector1">
             <a:avLst/>
@@ -5526,8 +5750,8 @@
         </p:nvSpPr>
         <p:spPr>
           <a:xfrm>
-            <a:off x="704902" y="1502120"/>
-            <a:ext cx="3724505" cy="4524315"/>
+            <a:off x="711209" y="1251899"/>
+            <a:ext cx="3724505" cy="5016758"/>
           </a:xfrm>
           <a:prstGeom prst="rect">
             <a:avLst/>
@@ -5545,7 +5769,92 @@
                 <a:latin typeface="Times New Roman" panose="02020603050405020304" pitchFamily="18" charset="0"/>
                 <a:cs typeface="Times New Roman" panose="02020603050405020304" pitchFamily="18" charset="0"/>
               </a:rPr>
-              <a:t>MMU преобразует виртуальные адреса, используемые процессором, в физические адреса, которые указывают на конкретные ячейки памяти.</a:t>
+              <a:t>Механизмы виртуальной памяти, позволяют операционной системе выделять больше памяти для процессов, чем имеется физически, за счёт использования дискового пространства </a:t>
+            </a:r>
+            <a:r>
+              <a:rPr lang="en-US" sz="1600" dirty="0">
+                <a:latin typeface="Times New Roman" panose="02020603050405020304" pitchFamily="18" charset="0"/>
+                <a:cs typeface="Times New Roman" panose="02020603050405020304" pitchFamily="18" charset="0"/>
+              </a:rPr>
+              <a:t>(swap)</a:t>
+            </a:r>
+            <a:r>
+              <a:rPr lang="ru-RU" sz="1600" dirty="0">
+                <a:latin typeface="Times New Roman" panose="02020603050405020304" pitchFamily="18" charset="0"/>
+                <a:cs typeface="Times New Roman" panose="02020603050405020304" pitchFamily="18" charset="0"/>
+              </a:rPr>
+              <a:t>.</a:t>
+            </a:r>
+          </a:p>
+          <a:p>
+            <a:endParaRPr lang="en-US" sz="1600" dirty="0">
+              <a:latin typeface="Times New Roman" panose="02020603050405020304" pitchFamily="18" charset="0"/>
+              <a:cs typeface="Times New Roman" panose="02020603050405020304" pitchFamily="18" charset="0"/>
+            </a:endParaRPr>
+          </a:p>
+          <a:p>
+            <a:r>
+              <a:rPr lang="ru-RU" sz="1600" dirty="0">
+                <a:latin typeface="Times New Roman" panose="02020603050405020304" pitchFamily="18" charset="0"/>
+                <a:cs typeface="Times New Roman" panose="02020603050405020304" pitchFamily="18" charset="0"/>
+              </a:rPr>
+              <a:t>Любая ОС поддерживает файл подкачки (</a:t>
+            </a:r>
+            <a:r>
+              <a:rPr lang="en-US" sz="1600" dirty="0">
+                <a:latin typeface="Times New Roman" panose="02020603050405020304" pitchFamily="18" charset="0"/>
+                <a:cs typeface="Times New Roman" panose="02020603050405020304" pitchFamily="18" charset="0"/>
+              </a:rPr>
+              <a:t>swap)</a:t>
+            </a:r>
+            <a:r>
+              <a:rPr lang="ru-RU" sz="1600" dirty="0">
+                <a:latin typeface="Times New Roman" panose="02020603050405020304" pitchFamily="18" charset="0"/>
+                <a:cs typeface="Times New Roman" panose="02020603050405020304" pitchFamily="18" charset="0"/>
+              </a:rPr>
+              <a:t>. В </a:t>
+            </a:r>
+            <a:r>
+              <a:rPr lang="en-US" sz="1600" dirty="0">
+                <a:latin typeface="Times New Roman" panose="02020603050405020304" pitchFamily="18" charset="0"/>
+                <a:cs typeface="Times New Roman" panose="02020603050405020304" pitchFamily="18" charset="0"/>
+              </a:rPr>
+              <a:t>Linux – </a:t>
+            </a:r>
+            <a:r>
+              <a:rPr lang="ru-RU" sz="1600" dirty="0">
+                <a:latin typeface="Times New Roman" panose="02020603050405020304" pitchFamily="18" charset="0"/>
+                <a:cs typeface="Times New Roman" panose="02020603050405020304" pitchFamily="18" charset="0"/>
+              </a:rPr>
+              <a:t>это файловый раздел</a:t>
+            </a:r>
+            <a:r>
+              <a:rPr lang="en-US" sz="1600" dirty="0">
+                <a:latin typeface="Times New Roman" panose="02020603050405020304" pitchFamily="18" charset="0"/>
+                <a:cs typeface="Times New Roman" panose="02020603050405020304" pitchFamily="18" charset="0"/>
+              </a:rPr>
+              <a:t>, </a:t>
+            </a:r>
+            <a:r>
+              <a:rPr lang="ru-RU" sz="1600" dirty="0">
+                <a:latin typeface="Times New Roman" panose="02020603050405020304" pitchFamily="18" charset="0"/>
+                <a:cs typeface="Times New Roman" panose="02020603050405020304" pitchFamily="18" charset="0"/>
+              </a:rPr>
+              <a:t>в </a:t>
+            </a:r>
+            <a:r>
+              <a:rPr lang="en-US" sz="1600" dirty="0">
+                <a:latin typeface="Times New Roman" panose="02020603050405020304" pitchFamily="18" charset="0"/>
+                <a:cs typeface="Times New Roman" panose="02020603050405020304" pitchFamily="18" charset="0"/>
+              </a:rPr>
+              <a:t>Windows </a:t>
+            </a:r>
+            <a:r>
+              <a:rPr lang="ru-RU" sz="1600" dirty="0">
+                <a:latin typeface="Times New Roman" panose="02020603050405020304" pitchFamily="18" charset="0"/>
+                <a:cs typeface="Times New Roman" panose="02020603050405020304" pitchFamily="18" charset="0"/>
+              </a:rPr>
+              <a:t>это файл.</a:t>
             </a:r>
           </a:p>
           <a:p>
@@ -5560,21 +5869,7 @@
                 <a:latin typeface="Times New Roman" panose="02020603050405020304" pitchFamily="18" charset="0"/>
                 <a:cs typeface="Times New Roman" panose="02020603050405020304" pitchFamily="18" charset="0"/>
               </a:rPr>
-              <a:t>MMU поддерживает механизмы виртуальной памяти, позволяя операционной системе выделять больше памяти для процессов, чем имеется физически, за счёт использования дискового пространства </a:t>
-            </a:r>
-            <a:r>
-              <a:rPr lang="en-US" sz="1600" dirty="0">
-                <a:latin typeface="Times New Roman" panose="02020603050405020304" pitchFamily="18" charset="0"/>
-                <a:cs typeface="Times New Roman" panose="02020603050405020304" pitchFamily="18" charset="0"/>
-              </a:rPr>
-              <a:t>(swap)</a:t>
-            </a:r>
-            <a:r>
-              <a:rPr lang="ru-RU" sz="1600" dirty="0">
-                <a:latin typeface="Times New Roman" panose="02020603050405020304" pitchFamily="18" charset="0"/>
-                <a:cs typeface="Times New Roman" panose="02020603050405020304" pitchFamily="18" charset="0"/>
-              </a:rPr>
-              <a:t>.</a:t>
+              <a:t>Виртуальные адреса преобразуются в физические для их дальнейшего использования процессором.</a:t>
             </a:r>
           </a:p>
           <a:p>
@@ -5592,14 +5887,167 @@
               <a:t>Механизм виртуальной памяти может обеспечивать защиту памяти, предотвращая доступ одного процесса к памяти другого процесса, что важно для стабильности и безопасности системы.</a:t>
             </a:r>
           </a:p>
-          <a:p>
-            <a:endParaRPr lang="ru-RU" sz="1600" dirty="0">
-              <a:latin typeface="Times New Roman" panose="02020603050405020304" pitchFamily="18" charset="0"/>
-              <a:cs typeface="Times New Roman" panose="02020603050405020304" pitchFamily="18" charset="0"/>
-            </a:endParaRPr>
-          </a:p>
         </p:txBody>
       </p:sp>
+      <p:graphicFrame>
+        <p:nvGraphicFramePr>
+          <p:cNvPr id="19" name="Таблица 3">
+            <a:extLst>
+              <a:ext uri="{FF2B5EF4-FFF2-40B4-BE49-F238E27FC236}">
+                <a16:creationId xmlns:a16="http://schemas.microsoft.com/office/drawing/2014/main" id="{3D19DDA0-ECBB-48F3-BB54-70E132182C3C}"/>
+              </a:ext>
+            </a:extLst>
+          </p:cNvPr>
+          <p:cNvGraphicFramePr>
+            <a:graphicFrameLocks noGrp="1"/>
+          </p:cNvGraphicFramePr>
+          <p:nvPr>
+            <p:extLst>
+              <p:ext uri="{D42A27DB-BD31-4B8C-83A1-F6EECF244321}">
+                <p14:modId xmlns:p14="http://schemas.microsoft.com/office/powerpoint/2010/main" val="1307749552"/>
+              </p:ext>
+            </p:extLst>
+          </p:nvPr>
+        </p:nvGraphicFramePr>
+        <p:xfrm>
+          <a:off x="9714012" y="4691361"/>
+          <a:ext cx="1657132" cy="1251432"/>
+        </p:xfrm>
+        <a:graphic>
+          <a:graphicData uri="http://schemas.openxmlformats.org/drawingml/2006/table">
+            <a:tbl>
+              <a:tblPr firstRow="1" bandRow="1">
+                <a:tableStyleId>{5C22544A-7EE6-4342-B048-85BDC9FD1C3A}</a:tableStyleId>
+              </a:tblPr>
+              <a:tblGrid>
+                <a:gridCol w="1657132">
+                  <a:extLst>
+                    <a:ext uri="{9D8B030D-6E8A-4147-A177-3AD203B41FA5}">
+                      <a16:colId xmlns:a16="http://schemas.microsoft.com/office/drawing/2014/main" val="534338667"/>
+                    </a:ext>
+                  </a:extLst>
+                </a:gridCol>
+              </a:tblGrid>
+              <a:tr h="611352">
+                <a:tc>
+                  <a:txBody>
+                    <a:bodyPr/>
+                    <a:lstStyle/>
+                    <a:p>
+                      <a:r>
+                        <a:rPr lang="ru-RU" dirty="0"/>
+                        <a:t>Диск</a:t>
+                      </a:r>
+                    </a:p>
+                  </a:txBody>
+                  <a:tcPr>
+                    <a:solidFill>
+                      <a:schemeClr val="bg1"/>
+                    </a:solidFill>
+                  </a:tcPr>
+                </a:tc>
+                <a:extLst>
+                  <a:ext uri="{0D108BD9-81ED-4DB2-BD59-A6C34878D82A}">
+                    <a16:rowId xmlns:a16="http://schemas.microsoft.com/office/drawing/2014/main" val="2352120855"/>
+                  </a:ext>
+                </a:extLst>
+              </a:tr>
+              <a:tr h="611352">
+                <a:tc>
+                  <a:txBody>
+                    <a:bodyPr/>
+                    <a:lstStyle/>
+                    <a:p>
+                      <a:pPr marL="0" marR="0" lvl="0" indent="0" algn="l" defTabSz="914400" rtl="0" eaLnBrk="1" fontAlgn="auto" latinLnBrk="0" hangingPunct="1">
+                        <a:lnSpc>
+                          <a:spcPct val="100000"/>
+                        </a:lnSpc>
+                        <a:spcBef>
+                          <a:spcPts val="0"/>
+                        </a:spcBef>
+                        <a:spcAft>
+                          <a:spcPts val="0"/>
+                        </a:spcAft>
+                        <a:buClrTx/>
+                        <a:buSzTx/>
+                        <a:buFontTx/>
+                        <a:buNone/>
+                        <a:tabLst/>
+                        <a:defRPr/>
+                      </a:pPr>
+                      <a:r>
+                        <a:rPr kumimoji="0" lang="ru-RU" sz="1800" b="1" i="0" u="none" strike="noStrike" kern="1200" cap="none" spc="0" normalizeH="0" baseline="0" noProof="0" dirty="0">
+                          <a:ln>
+                            <a:noFill/>
+                          </a:ln>
+                          <a:solidFill>
+                            <a:prstClr val="white"/>
+                          </a:solidFill>
+                          <a:effectLst/>
+                          <a:uLnTx/>
+                          <a:uFillTx/>
+                          <a:latin typeface="+mn-lt"/>
+                          <a:ea typeface="+mn-ea"/>
+                          <a:cs typeface="+mn-cs"/>
+                        </a:rPr>
+                        <a:t>1</a:t>
+                      </a:r>
+                      <a:r>
+                        <a:rPr kumimoji="0" lang="en-US" sz="1800" b="1" i="0" u="none" strike="noStrike" kern="1200" cap="none" spc="0" normalizeH="0" baseline="0" noProof="0" dirty="0">
+                          <a:ln>
+                            <a:noFill/>
+                          </a:ln>
+                          <a:solidFill>
+                            <a:prstClr val="white"/>
+                          </a:solidFill>
+                          <a:effectLst/>
+                          <a:uLnTx/>
+                          <a:uFillTx/>
+                          <a:latin typeface="+mn-lt"/>
+                          <a:ea typeface="+mn-ea"/>
+                          <a:cs typeface="+mn-cs"/>
+                        </a:rPr>
+                        <a:t> </a:t>
+                      </a:r>
+                      <a:r>
+                        <a:rPr kumimoji="0" lang="ru-RU" sz="1800" b="1" i="0" u="none" strike="noStrike" kern="1200" cap="none" spc="0" normalizeH="0" baseline="0" noProof="0" dirty="0">
+                          <a:ln>
+                            <a:noFill/>
+                          </a:ln>
+                          <a:solidFill>
+                            <a:prstClr val="white"/>
+                          </a:solidFill>
+                          <a:effectLst/>
+                          <a:uLnTx/>
+                          <a:uFillTx/>
+                          <a:latin typeface="+mn-lt"/>
+                          <a:ea typeface="+mn-ea"/>
+                          <a:cs typeface="+mn-cs"/>
+                        </a:rPr>
+                        <a:t>Гб</a:t>
+                      </a:r>
+                      <a:endParaRPr lang="ru-RU" dirty="0"/>
+                    </a:p>
+                    <a:p>
+                      <a:endParaRPr lang="ru-RU" dirty="0"/>
+                    </a:p>
+                  </a:txBody>
+                  <a:tcPr>
+                    <a:solidFill>
+                      <a:schemeClr val="bg1"/>
+                    </a:solidFill>
+                  </a:tcPr>
+                </a:tc>
+                <a:extLst>
+                  <a:ext uri="{0D108BD9-81ED-4DB2-BD59-A6C34878D82A}">
+                    <a16:rowId xmlns:a16="http://schemas.microsoft.com/office/drawing/2014/main" val="1060207968"/>
+                  </a:ext>
+                </a:extLst>
+              </a:tr>
+            </a:tbl>
+          </a:graphicData>
+        </a:graphic>
+      </p:graphicFrame>
     </p:spTree>
     <p:extLst>
       <p:ext uri="{BB962C8B-B14F-4D97-AF65-F5344CB8AC3E}">
